--- a/boomerpresentation.pptx
+++ b/boomerpresentation.pptx
@@ -127,7 +127,57 @@
       </a:defRPr>
     </a:lvl9pPr>
   </p:defaultTextStyle>
+  <p:extLst>
+    <p:ext uri="{EFAFB233-063F-42B5-8137-9DF3F51BA10A}">
+      <p15:sldGuideLst xmlns:p15="http://schemas.microsoft.com/office/powerpoint/2012/main"/>
+    </p:ext>
+  </p:extLst>
 </p:presentation>
+</file>
+
+<file path=ppt/revisionInfo.xml><?xml version="1.0" encoding="utf-8"?>
+<p1510:revInfo xmlns:a="http://schemas.openxmlformats.org/drawingml/2006/main" xmlns:r="http://schemas.openxmlformats.org/officeDocument/2006/relationships" xmlns:p1510="http://schemas.microsoft.com/office/powerpoint/2015/10/main">
+  <p1510:revLst>
+    <p1510:client id="{2D158DAF-EC56-4503-A6B5-EA8AD8A83937}" v="1" dt="2019-12-19T09:19:13.507"/>
+  </p1510:revLst>
+</p1510:revInfo>
+</file>
+
+<file path=ppt/changesInfos/changesInfo1.xml><?xml version="1.0" encoding="utf-8"?>
+<pc:chgInfo xmlns:a="http://schemas.openxmlformats.org/drawingml/2006/main" xmlns:r="http://schemas.openxmlformats.org/officeDocument/2006/relationships" xmlns:ac="http://schemas.microsoft.com/office/drawing/2013/main/command" xmlns:pc="http://schemas.microsoft.com/office/powerpoint/2013/main/command">
+  <pc:docChgLst>
+    <pc:chgData name="Benjamin Kyhn" userId="d5b027c8d2c600e8" providerId="LiveId" clId="{2D158DAF-EC56-4503-A6B5-EA8AD8A83937}"/>
+    <pc:docChg chg="custSel modSld">
+      <pc:chgData name="Benjamin Kyhn" userId="d5b027c8d2c600e8" providerId="LiveId" clId="{2D158DAF-EC56-4503-A6B5-EA8AD8A83937}" dt="2019-12-19T09:19:50.795" v="9" actId="14100"/>
+      <pc:docMkLst>
+        <pc:docMk/>
+      </pc:docMkLst>
+      <pc:sldChg chg="addSp delSp modSp">
+        <pc:chgData name="Benjamin Kyhn" userId="d5b027c8d2c600e8" providerId="LiveId" clId="{2D158DAF-EC56-4503-A6B5-EA8AD8A83937}" dt="2019-12-19T09:19:50.795" v="9" actId="14100"/>
+        <pc:sldMkLst>
+          <pc:docMk/>
+          <pc:sldMk cId="23685569" sldId="265"/>
+        </pc:sldMkLst>
+        <pc:picChg chg="add mod ord modCrop">
+          <ac:chgData name="Benjamin Kyhn" userId="d5b027c8d2c600e8" providerId="LiveId" clId="{2D158DAF-EC56-4503-A6B5-EA8AD8A83937}" dt="2019-12-19T09:19:50.795" v="9" actId="14100"/>
+          <ac:picMkLst>
+            <pc:docMk/>
+            <pc:sldMk cId="23685569" sldId="265"/>
+            <ac:picMk id="4" creationId="{78105496-00D9-42C7-B1C5-738E974D4634}"/>
+          </ac:picMkLst>
+        </pc:picChg>
+        <pc:picChg chg="del">
+          <ac:chgData name="Benjamin Kyhn" userId="d5b027c8d2c600e8" providerId="LiveId" clId="{2D158DAF-EC56-4503-A6B5-EA8AD8A83937}" dt="2019-12-19T09:19:09.523" v="0" actId="478"/>
+          <ac:picMkLst>
+            <pc:docMk/>
+            <pc:sldMk cId="23685569" sldId="265"/>
+            <ac:picMk id="5" creationId="{F8ACC0F6-DB53-430A-BD16-8ACCC5FBB41D}"/>
+          </ac:picMkLst>
+        </pc:picChg>
+      </pc:sldChg>
+    </pc:docChg>
+  </pc:docChgLst>
+</pc:chgInfo>
 </file>
 
 <file path=ppt/slideLayouts/slideLayout1.xml><?xml version="1.0" encoding="utf-8"?>
@@ -3474,49 +3524,12 @@
           <a:chExt cx="0" cy="0"/>
         </a:xfrm>
       </p:grpSpPr>
-      <p:sp>
-        <p:nvSpPr>
-          <p:cNvPr id="2" name="Titel 1">
-            <a:extLst>
-              <a:ext uri="{FF2B5EF4-FFF2-40B4-BE49-F238E27FC236}">
-                <a16:creationId xmlns:a16="http://schemas.microsoft.com/office/drawing/2014/main" id="{CC0C896B-C3EA-48C6-BBF8-0C77FDA6A7D4}"/>
-              </a:ext>
-            </a:extLst>
-          </p:cNvPr>
-          <p:cNvSpPr>
-            <a:spLocks noGrp="1"/>
-          </p:cNvSpPr>
-          <p:nvPr>
-            <p:ph type="title"/>
-          </p:nvPr>
-        </p:nvSpPr>
-        <p:spPr/>
-        <p:txBody>
-          <a:bodyPr/>
-          <a:lstStyle/>
-          <a:p>
-            <a:r>
-              <a:rPr lang="da-DK" dirty="0"/>
-              <a:t>SSD 1 – Find </a:t>
-            </a:r>
-            <a:r>
-              <a:rPr lang="da-DK" dirty="0" err="1"/>
-              <a:t>Recipe</a:t>
-            </a:r>
-            <a:r>
-              <a:rPr lang="da-DK" dirty="0"/>
-              <a:t> (Ny)  </a:t>
-            </a:r>
-            <a:endParaRPr lang="en-DK" dirty="0"/>
-          </a:p>
-        </p:txBody>
-      </p:sp>
       <p:pic>
         <p:nvPicPr>
-          <p:cNvPr id="5" name="Billede 4">
-            <a:extLst>
-              <a:ext uri="{FF2B5EF4-FFF2-40B4-BE49-F238E27FC236}">
-                <a16:creationId xmlns:a16="http://schemas.microsoft.com/office/drawing/2014/main" id="{F8ACC0F6-DB53-430A-BD16-8ACCC5FBB41D}"/>
+          <p:cNvPr id="4" name="Billede 3" descr="Et billede, der indeholder tekst, skærmbillede&#10;&#10;Automatisk genereret beskrivelse">
+            <a:extLst>
+              <a:ext uri="{FF2B5EF4-FFF2-40B4-BE49-F238E27FC236}">
+                <a16:creationId xmlns:a16="http://schemas.microsoft.com/office/drawing/2014/main" id="{78105496-00D9-42C7-B1C5-738E974D4634}"/>
               </a:ext>
             </a:extLst>
           </p:cNvPr>
@@ -3526,20 +3539,63 @@
           <p:nvPr/>
         </p:nvPicPr>
         <p:blipFill rotWithShape="1">
-          <a:blip r:embed="rId2"/>
-          <a:srcRect t="11198"/>
+          <a:blip r:embed="rId2">
+            <a:extLst>
+              <a:ext uri="{28A0092B-C50C-407E-A947-70E740481C1C}">
+                <a14:useLocalDpi xmlns:a14="http://schemas.microsoft.com/office/drawing/2010/main" val="0"/>
+              </a:ext>
+            </a:extLst>
+          </a:blip>
+          <a:srcRect l="24252" t="-1650" r="-334" b="1650"/>
           <a:stretch/>
         </p:blipFill>
         <p:spPr>
           <a:xfrm>
-            <a:off x="752475" y="1381125"/>
-            <a:ext cx="8001000" cy="4705349"/>
+            <a:off x="5045006" y="235065"/>
+            <a:ext cx="6786776" cy="6498243"/>
           </a:xfrm>
           <a:prstGeom prst="rect">
             <a:avLst/>
           </a:prstGeom>
         </p:spPr>
       </p:pic>
+      <p:sp>
+        <p:nvSpPr>
+          <p:cNvPr id="2" name="Titel 1">
+            <a:extLst>
+              <a:ext uri="{FF2B5EF4-FFF2-40B4-BE49-F238E27FC236}">
+                <a16:creationId xmlns:a16="http://schemas.microsoft.com/office/drawing/2014/main" id="{CC0C896B-C3EA-48C6-BBF8-0C77FDA6A7D4}"/>
+              </a:ext>
+            </a:extLst>
+          </p:cNvPr>
+          <p:cNvSpPr>
+            <a:spLocks noGrp="1"/>
+          </p:cNvSpPr>
+          <p:nvPr>
+            <p:ph type="title"/>
+          </p:nvPr>
+        </p:nvSpPr>
+        <p:spPr/>
+        <p:txBody>
+          <a:bodyPr/>
+          <a:lstStyle/>
+          <a:p>
+            <a:r>
+              <a:rPr lang="da-DK" dirty="0"/>
+              <a:t>SSD 1 – Find </a:t>
+            </a:r>
+            <a:r>
+              <a:rPr lang="da-DK" dirty="0" err="1"/>
+              <a:t>Recipe</a:t>
+            </a:r>
+            <a:r>
+              <a:rPr lang="da-DK" dirty="0"/>
+              <a:t> (Ny)  </a:t>
+            </a:r>
+            <a:endParaRPr lang="en-DK" dirty="0"/>
+          </a:p>
+        </p:txBody>
+      </p:sp>
     </p:spTree>
     <p:extLst>
       <p:ext uri="{BB962C8B-B14F-4D97-AF65-F5344CB8AC3E}">
@@ -8249,12 +8305,12 @@
                         <a:buAutoNum type="arabicPeriod"/>
                       </a:pPr>
                       <a:r>
-                        <a:rPr lang="en-US" sz="900">
+                        <a:rPr lang="en-US" sz="900" dirty="0">
                           <a:effectLst/>
                         </a:rPr>
                         <a:t>The user specifies an ingredient by name and its attributes</a:t>
                       </a:r>
-                      <a:endParaRPr lang="en-DK" sz="900">
+                      <a:endParaRPr lang="en-DK" sz="900" dirty="0">
                         <a:effectLst/>
                       </a:endParaRPr>
                     </a:p>
@@ -8270,12 +8326,12 @@
                         <a:buAutoNum type="arabicPeriod"/>
                       </a:pPr>
                       <a:r>
-                        <a:rPr lang="en-US" sz="900">
+                        <a:rPr lang="en-US" sz="900" dirty="0">
                           <a:effectLst/>
                         </a:rPr>
                         <a:t>The System saves the ingredient to a list of ingredients.</a:t>
                       </a:r>
-                      <a:endParaRPr lang="en-DK" sz="900">
+                      <a:endParaRPr lang="en-DK" sz="900" dirty="0">
                         <a:effectLst/>
                       </a:endParaRPr>
                     </a:p>
@@ -8291,12 +8347,12 @@
                         <a:buAutoNum type="arabicPeriod"/>
                       </a:pPr>
                       <a:r>
-                        <a:rPr lang="en-US" sz="900">
+                        <a:rPr lang="en-US" sz="900" dirty="0">
                           <a:effectLst/>
                         </a:rPr>
                         <a:t>The system responds with showing the specified ingredient in the list of ingredients.</a:t>
                       </a:r>
-                      <a:endParaRPr lang="en-DK" sz="900">
+                      <a:endParaRPr lang="en-DK" sz="900" dirty="0">
                         <a:effectLst/>
                       </a:endParaRPr>
                     </a:p>
@@ -8310,12 +8366,12 @@
                         </a:spcAft>
                       </a:pPr>
                       <a:r>
-                        <a:rPr lang="en-US" sz="900">
+                        <a:rPr lang="en-US" sz="900" dirty="0">
                           <a:effectLst/>
                         </a:rPr>
                         <a:t> </a:t>
                       </a:r>
-                      <a:endParaRPr lang="en-DK" sz="900">
+                      <a:endParaRPr lang="en-DK" sz="900" dirty="0">
                         <a:effectLst/>
                         <a:latin typeface="Calibri" panose="020F0502020204030204" pitchFamily="34" charset="0"/>
                         <a:ea typeface="Calibri" panose="020F0502020204030204" pitchFamily="34" charset="0"/>

--- a/boomerpresentation.pptx
+++ b/boomerpresentation.pptx
@@ -138,7 +138,7 @@
 <file path=ppt/revisionInfo.xml><?xml version="1.0" encoding="utf-8"?>
 <p1510:revInfo xmlns:a="http://schemas.openxmlformats.org/drawingml/2006/main" xmlns:r="http://schemas.openxmlformats.org/officeDocument/2006/relationships" xmlns:p1510="http://schemas.microsoft.com/office/powerpoint/2015/10/main">
   <p1510:revLst>
-    <p1510:client id="{2D158DAF-EC56-4503-A6B5-EA8AD8A83937}" v="1" dt="2019-12-19T09:19:13.507"/>
+    <p1510:client id="{2D158DAF-EC56-4503-A6B5-EA8AD8A83937}" v="2" dt="2019-12-19T09:26:23.168"/>
   </p1510:revLst>
 </p1510:revInfo>
 </file>
@@ -148,22 +148,30 @@
   <pc:docChgLst>
     <pc:chgData name="Benjamin Kyhn" userId="d5b027c8d2c600e8" providerId="LiveId" clId="{2D158DAF-EC56-4503-A6B5-EA8AD8A83937}"/>
     <pc:docChg chg="custSel modSld">
-      <pc:chgData name="Benjamin Kyhn" userId="d5b027c8d2c600e8" providerId="LiveId" clId="{2D158DAF-EC56-4503-A6B5-EA8AD8A83937}" dt="2019-12-19T09:19:50.795" v="9" actId="14100"/>
+      <pc:chgData name="Benjamin Kyhn" userId="d5b027c8d2c600e8" providerId="LiveId" clId="{2D158DAF-EC56-4503-A6B5-EA8AD8A83937}" dt="2019-12-19T09:26:37.811" v="17" actId="167"/>
       <pc:docMkLst>
         <pc:docMk/>
       </pc:docMkLst>
       <pc:sldChg chg="addSp delSp modSp">
-        <pc:chgData name="Benjamin Kyhn" userId="d5b027c8d2c600e8" providerId="LiveId" clId="{2D158DAF-EC56-4503-A6B5-EA8AD8A83937}" dt="2019-12-19T09:19:50.795" v="9" actId="14100"/>
+        <pc:chgData name="Benjamin Kyhn" userId="d5b027c8d2c600e8" providerId="LiveId" clId="{2D158DAF-EC56-4503-A6B5-EA8AD8A83937}" dt="2019-12-19T09:26:37.811" v="17" actId="167"/>
         <pc:sldMkLst>
           <pc:docMk/>
           <pc:sldMk cId="23685569" sldId="265"/>
         </pc:sldMkLst>
-        <pc:picChg chg="add mod ord modCrop">
-          <ac:chgData name="Benjamin Kyhn" userId="d5b027c8d2c600e8" providerId="LiveId" clId="{2D158DAF-EC56-4503-A6B5-EA8AD8A83937}" dt="2019-12-19T09:19:50.795" v="9" actId="14100"/>
+        <pc:picChg chg="add del mod ord modCrop">
+          <ac:chgData name="Benjamin Kyhn" userId="d5b027c8d2c600e8" providerId="LiveId" clId="{2D158DAF-EC56-4503-A6B5-EA8AD8A83937}" dt="2019-12-19T09:26:16.862" v="10" actId="478"/>
           <ac:picMkLst>
             <pc:docMk/>
             <pc:sldMk cId="23685569" sldId="265"/>
             <ac:picMk id="4" creationId="{78105496-00D9-42C7-B1C5-738E974D4634}"/>
+          </ac:picMkLst>
+        </pc:picChg>
+        <pc:picChg chg="add mod ord modCrop">
+          <ac:chgData name="Benjamin Kyhn" userId="d5b027c8d2c600e8" providerId="LiveId" clId="{2D158DAF-EC56-4503-A6B5-EA8AD8A83937}" dt="2019-12-19T09:26:37.811" v="17" actId="167"/>
+          <ac:picMkLst>
+            <pc:docMk/>
+            <pc:sldMk cId="23685569" sldId="265"/>
+            <ac:picMk id="5" creationId="{288964D5-3C73-4C17-8B65-E4333FDC77EA}"/>
           </ac:picMkLst>
         </pc:picChg>
         <pc:picChg chg="del">
@@ -3526,10 +3534,10 @@
       </p:grpSpPr>
       <p:pic>
         <p:nvPicPr>
-          <p:cNvPr id="4" name="Billede 3" descr="Et billede, der indeholder tekst, skærmbillede&#10;&#10;Automatisk genereret beskrivelse">
-            <a:extLst>
-              <a:ext uri="{FF2B5EF4-FFF2-40B4-BE49-F238E27FC236}">
-                <a16:creationId xmlns:a16="http://schemas.microsoft.com/office/drawing/2014/main" id="{78105496-00D9-42C7-B1C5-738E974D4634}"/>
+          <p:cNvPr id="5" name="Billede 4" descr="Et billede, der indeholder tekst&#10;&#10;Automatisk genereret beskrivelse">
+            <a:extLst>
+              <a:ext uri="{FF2B5EF4-FFF2-40B4-BE49-F238E27FC236}">
+                <a16:creationId xmlns:a16="http://schemas.microsoft.com/office/drawing/2014/main" id="{288964D5-3C73-4C17-8B65-E4333FDC77EA}"/>
               </a:ext>
             </a:extLst>
           </p:cNvPr>
@@ -3546,13 +3554,13 @@
               </a:ext>
             </a:extLst>
           </a:blip>
-          <a:srcRect l="24252" t="-1650" r="-334" b="1650"/>
+          <a:srcRect l="29673"/>
           <a:stretch/>
         </p:blipFill>
         <p:spPr>
           <a:xfrm>
-            <a:off x="5045006" y="235065"/>
-            <a:ext cx="6786776" cy="6498243"/>
+            <a:off x="5486400" y="0"/>
+            <a:ext cx="6539346" cy="6773726"/>
           </a:xfrm>
           <a:prstGeom prst="rect">
             <a:avLst/>
